--- a/updates.pptx
+++ b/updates.pptx
@@ -218,7 +218,7 @@
           <a:p>
             <a:fld id="{AB81B2D2-06A2-4596-9391-656CA05E965F}" type="datetimeFigureOut">
               <a:rPr lang="et-EE" smtClean="0"/>
-              <a:t>26.08.2025</a:t>
+              <a:t>26.08.25</a:t>
             </a:fld>
             <a:endParaRPr lang="et-EE"/>
           </a:p>
@@ -632,7 +632,7 @@
           <a:p>
             <a:fld id="{0E412FDE-1CFE-48F6-820F-9C443C301228}" type="datetime1">
               <a:rPr lang="et-EE" smtClean="0"/>
-              <a:t>26.08.2025</a:t>
+              <a:t>26.08.25</a:t>
             </a:fld>
             <a:endParaRPr lang="et-EE" dirty="0"/>
           </a:p>
@@ -816,7 +816,7 @@
           <a:p>
             <a:fld id="{B64C0CFC-214E-42F4-8B82-CC6D451BD70F}" type="datetime1">
               <a:rPr lang="et-EE" smtClean="0"/>
-              <a:t>26.08.2025</a:t>
+              <a:t>26.08.25</a:t>
             </a:fld>
             <a:endParaRPr lang="et-EE"/>
           </a:p>
@@ -999,7 +999,7 @@
           <a:p>
             <a:fld id="{5AB58BF1-41C1-47B8-ACAE-F9884B88C63A}" type="datetime1">
               <a:rPr lang="et-EE" smtClean="0"/>
-              <a:t>26.08.2025</a:t>
+              <a:t>26.08.25</a:t>
             </a:fld>
             <a:endParaRPr lang="et-EE"/>
           </a:p>
@@ -1261,7 +1261,7 @@
           <a:p>
             <a:fld id="{E1CF8E31-244F-4A6A-A7D5-704B96C48AAE}" type="datetime1">
               <a:rPr lang="et-EE" smtClean="0"/>
-              <a:t>26.08.2025</a:t>
+              <a:t>26.08.25</a:t>
             </a:fld>
             <a:endParaRPr lang="et-EE" dirty="0"/>
           </a:p>
@@ -1973,7 +1973,7 @@
           <a:p>
             <a:fld id="{CF92296B-3A94-4787-AA7D-8DC0AEE88FD4}" type="datetime1">
               <a:rPr lang="et-EE" smtClean="0"/>
-              <a:t>26.08.2025</a:t>
+              <a:t>26.08.25</a:t>
             </a:fld>
             <a:endParaRPr lang="et-EE"/>
           </a:p>
@@ -2343,7 +2343,7 @@
           <a:p>
             <a:fld id="{185751C1-87AF-4EAC-9696-BB82432B7753}" type="datetime1">
               <a:rPr lang="et-EE" smtClean="0"/>
-              <a:t>26.08.2025</a:t>
+              <a:t>26.08.25</a:t>
             </a:fld>
             <a:endParaRPr lang="et-EE"/>
           </a:p>
@@ -2441,7 +2441,7 @@
           <a:p>
             <a:fld id="{E493E3B0-4572-4FE0-8E55-6746BFAADA96}" type="datetime1">
               <a:rPr lang="et-EE" smtClean="0"/>
-              <a:t>26.08.2025</a:t>
+              <a:t>26.08.25</a:t>
             </a:fld>
             <a:endParaRPr lang="et-EE"/>
           </a:p>
@@ -2586,7 +2586,7 @@
           <a:p>
             <a:fld id="{EE4C4D14-98D7-455C-9D0D-2863E0C0AA0D}" type="datetime1">
               <a:rPr lang="et-EE" smtClean="0"/>
-              <a:t>26.08.2025</a:t>
+              <a:t>26.08.25</a:t>
             </a:fld>
             <a:endParaRPr lang="et-EE"/>
           </a:p>
@@ -2866,7 +2866,7 @@
           <a:p>
             <a:fld id="{94997DBE-8AE5-4A6F-9E25-F62C693D8ED5}" type="datetime1">
               <a:rPr lang="et-EE" smtClean="0"/>
-              <a:t>26.08.2025</a:t>
+              <a:t>26.08.25</a:t>
             </a:fld>
             <a:endParaRPr lang="et-EE"/>
           </a:p>
@@ -3126,7 +3126,7 @@
           <a:p>
             <a:fld id="{DA3B51F9-97BE-4EFF-9934-D6DB8E40FF5E}" type="datetime1">
               <a:rPr lang="et-EE" smtClean="0"/>
-              <a:t>26.08.2025</a:t>
+              <a:t>26.08.25</a:t>
             </a:fld>
             <a:endParaRPr lang="et-EE"/>
           </a:p>
@@ -3343,7 +3343,7 @@
           <a:p>
             <a:fld id="{E7C7EEDD-722C-4F14-9239-A37AD281B51F}" type="datetime1">
               <a:rPr lang="et-EE" smtClean="0"/>
-              <a:t>26.08.2025</a:t>
+              <a:t>26.08.25</a:t>
             </a:fld>
             <a:endParaRPr lang="et-EE" dirty="0"/>
           </a:p>
@@ -3781,7 +3781,7 @@
         </p:blipFill>
         <p:spPr>
           <a:xfrm>
-            <a:off x="7217727" y="2856881"/>
+            <a:off x="7604226" y="2813566"/>
             <a:ext cx="4493726" cy="3725346"/>
           </a:xfrm>
           <a:prstGeom prst="rect">
@@ -3889,7 +3889,7 @@
                 <a:latin typeface="Arial" panose="020B0604020202020204" pitchFamily="34" charset="0"/>
                 <a:cs typeface="Arial" panose="020B0604020202020204" pitchFamily="34" charset="0"/>
               </a:rPr>
-              <a:t>26.08.2025</a:t>
+              <a:t>26.08.25</a:t>
             </a:fld>
             <a:endParaRPr lang="et-EE" dirty="0">
               <a:solidFill>
@@ -3985,14 +3985,14 @@
             <a:pPr lvl="1"/>
             <a:r>
               <a:rPr lang="en-US" dirty="0"/>
-              <a:t>You should as well avoid mounting which would apply sheer or rotational forces.</a:t>
+              <a:t>“You should as well avoid mounting which would apply sheer or rotational forces.”</a:t>
             </a:r>
           </a:p>
           <a:p>
             <a:pPr lvl="1"/>
             <a:r>
               <a:rPr lang="en-US" dirty="0"/>
-              <a:t>we do CRD on the mirrors before contacting on the cavity (due to the geometry we cannot measure the whole cavity). The geometrical dimensions are verified during the production as well.</a:t>
+              <a:t>“we do CRD on the mirrors before contacting on the cavity (due to the geometry we cannot measure the whole cavity). The geometrical dimensions are verified during the production as well.”</a:t>
             </a:r>
           </a:p>
           <a:p>
@@ -4001,6 +4001,36 @@
           </a:p>
         </p:txBody>
       </p:sp>
+      <p:pic>
+        <p:nvPicPr>
+          <p:cNvPr id="8" name="Picture 7">
+            <a:extLst>
+              <a:ext uri="{FF2B5EF4-FFF2-40B4-BE49-F238E27FC236}">
+                <a16:creationId xmlns:a16="http://schemas.microsoft.com/office/drawing/2014/main" id="{35A50138-0F0B-E309-A516-CAA688BE6069}"/>
+              </a:ext>
+            </a:extLst>
+          </p:cNvPr>
+          <p:cNvPicPr>
+            <a:picLocks noChangeAspect="1"/>
+          </p:cNvPicPr>
+          <p:nvPr/>
+        </p:nvPicPr>
+        <p:blipFill>
+          <a:blip r:embed="rId3"/>
+          <a:stretch>
+            <a:fillRect/>
+          </a:stretch>
+        </p:blipFill>
+        <p:spPr>
+          <a:xfrm>
+            <a:off x="381000" y="4161510"/>
+            <a:ext cx="7772400" cy="1116088"/>
+          </a:xfrm>
+          <a:prstGeom prst="rect">
+            <a:avLst/>
+          </a:prstGeom>
+        </p:spPr>
+      </p:pic>
     </p:spTree>
     <p:extLst>
       <p:ext uri="{BB962C8B-B14F-4D97-AF65-F5344CB8AC3E}">
@@ -4142,7 +4172,7 @@
           <a:p>
             <a:fld id="{E1CF8E31-244F-4A6A-A7D5-704B96C48AAE}" type="datetime1">
               <a:rPr lang="et-EE" smtClean="0"/>
-              <a:t>26.08.2025</a:t>
+              <a:t>26.08.25</a:t>
             </a:fld>
             <a:endParaRPr lang="et-EE" dirty="0"/>
           </a:p>
@@ -4503,7 +4533,7 @@
           <a:p>
             <a:fld id="{E1CF8E31-244F-4A6A-A7D5-704B96C48AAE}" type="datetime1">
               <a:rPr lang="et-EE" smtClean="0"/>
-              <a:t>26.08.2025</a:t>
+              <a:t>26.08.25</a:t>
             </a:fld>
             <a:endParaRPr lang="et-EE" dirty="0"/>
           </a:p>
@@ -4881,7 +4911,7 @@
           <a:p>
             <a:fld id="{E1CF8E31-244F-4A6A-A7D5-704B96C48AAE}" type="datetime1">
               <a:rPr lang="et-EE" smtClean="0"/>
-              <a:t>26.08.2025</a:t>
+              <a:t>26.08.25</a:t>
             </a:fld>
             <a:endParaRPr lang="et-EE" dirty="0"/>
           </a:p>

--- a/updates.pptx
+++ b/updates.pptx
@@ -5,13 +5,11 @@
     <p:sldMasterId id="2147483708" r:id="rId1"/>
   </p:sldMasterIdLst>
   <p:notesMasterIdLst>
-    <p:notesMasterId r:id="rId6"/>
+    <p:notesMasterId r:id="rId4"/>
   </p:notesMasterIdLst>
   <p:sldIdLst>
     <p:sldId id="258" r:id="rId2"/>
     <p:sldId id="259" r:id="rId3"/>
-    <p:sldId id="260" r:id="rId4"/>
-    <p:sldId id="261" r:id="rId5"/>
   </p:sldIdLst>
   <p:sldSz cx="12192000" cy="6858000"/>
   <p:notesSz cx="6858000" cy="9144000"/>
@@ -218,7 +216,7 @@
           <a:p>
             <a:fld id="{AB81B2D2-06A2-4596-9391-656CA05E965F}" type="datetimeFigureOut">
               <a:rPr lang="et-EE" smtClean="0"/>
-              <a:t>26.08.25</a:t>
+              <a:t>29.08.2025</a:t>
             </a:fld>
             <a:endParaRPr lang="et-EE"/>
           </a:p>
@@ -632,7 +630,7 @@
           <a:p>
             <a:fld id="{0E412FDE-1CFE-48F6-820F-9C443C301228}" type="datetime1">
               <a:rPr lang="et-EE" smtClean="0"/>
-              <a:t>26.08.25</a:t>
+              <a:t>29.08.2025</a:t>
             </a:fld>
             <a:endParaRPr lang="et-EE" dirty="0"/>
           </a:p>
@@ -816,7 +814,7 @@
           <a:p>
             <a:fld id="{B64C0CFC-214E-42F4-8B82-CC6D451BD70F}" type="datetime1">
               <a:rPr lang="et-EE" smtClean="0"/>
-              <a:t>26.08.25</a:t>
+              <a:t>29.08.2025</a:t>
             </a:fld>
             <a:endParaRPr lang="et-EE"/>
           </a:p>
@@ -999,7 +997,7 @@
           <a:p>
             <a:fld id="{5AB58BF1-41C1-47B8-ACAE-F9884B88C63A}" type="datetime1">
               <a:rPr lang="et-EE" smtClean="0"/>
-              <a:t>26.08.25</a:t>
+              <a:t>29.08.2025</a:t>
             </a:fld>
             <a:endParaRPr lang="et-EE"/>
           </a:p>
@@ -1261,7 +1259,7 @@
           <a:p>
             <a:fld id="{E1CF8E31-244F-4A6A-A7D5-704B96C48AAE}" type="datetime1">
               <a:rPr lang="et-EE" smtClean="0"/>
-              <a:t>26.08.25</a:t>
+              <a:t>29.08.2025</a:t>
             </a:fld>
             <a:endParaRPr lang="et-EE" dirty="0"/>
           </a:p>
@@ -1973,7 +1971,7 @@
           <a:p>
             <a:fld id="{CF92296B-3A94-4787-AA7D-8DC0AEE88FD4}" type="datetime1">
               <a:rPr lang="et-EE" smtClean="0"/>
-              <a:t>26.08.25</a:t>
+              <a:t>29.08.2025</a:t>
             </a:fld>
             <a:endParaRPr lang="et-EE"/>
           </a:p>
@@ -2343,7 +2341,7 @@
           <a:p>
             <a:fld id="{185751C1-87AF-4EAC-9696-BB82432B7753}" type="datetime1">
               <a:rPr lang="et-EE" smtClean="0"/>
-              <a:t>26.08.25</a:t>
+              <a:t>29.08.2025</a:t>
             </a:fld>
             <a:endParaRPr lang="et-EE"/>
           </a:p>
@@ -2441,7 +2439,7 @@
           <a:p>
             <a:fld id="{E493E3B0-4572-4FE0-8E55-6746BFAADA96}" type="datetime1">
               <a:rPr lang="et-EE" smtClean="0"/>
-              <a:t>26.08.25</a:t>
+              <a:t>29.08.2025</a:t>
             </a:fld>
             <a:endParaRPr lang="et-EE"/>
           </a:p>
@@ -2586,7 +2584,7 @@
           <a:p>
             <a:fld id="{EE4C4D14-98D7-455C-9D0D-2863E0C0AA0D}" type="datetime1">
               <a:rPr lang="et-EE" smtClean="0"/>
-              <a:t>26.08.25</a:t>
+              <a:t>29.08.2025</a:t>
             </a:fld>
             <a:endParaRPr lang="et-EE"/>
           </a:p>
@@ -2866,7 +2864,7 @@
           <a:p>
             <a:fld id="{94997DBE-8AE5-4A6F-9E25-F62C693D8ED5}" type="datetime1">
               <a:rPr lang="et-EE" smtClean="0"/>
-              <a:t>26.08.25</a:t>
+              <a:t>29.08.2025</a:t>
             </a:fld>
             <a:endParaRPr lang="et-EE"/>
           </a:p>
@@ -3126,7 +3124,7 @@
           <a:p>
             <a:fld id="{DA3B51F9-97BE-4EFF-9934-D6DB8E40FF5E}" type="datetime1">
               <a:rPr lang="et-EE" smtClean="0"/>
-              <a:t>26.08.25</a:t>
+              <a:t>29.08.2025</a:t>
             </a:fld>
             <a:endParaRPr lang="et-EE"/>
           </a:p>
@@ -3343,7 +3341,7 @@
           <a:p>
             <a:fld id="{E7C7EEDD-722C-4F14-9239-A37AD281B51F}" type="datetime1">
               <a:rPr lang="et-EE" smtClean="0"/>
-              <a:t>26.08.25</a:t>
+              <a:t>29.08.2025</a:t>
             </a:fld>
             <a:endParaRPr lang="et-EE" dirty="0"/>
           </a:p>
@@ -3889,7 +3887,7 @@
                 <a:latin typeface="Arial" panose="020B0604020202020204" pitchFamily="34" charset="0"/>
                 <a:cs typeface="Arial" panose="020B0604020202020204" pitchFamily="34" charset="0"/>
               </a:rPr>
-              <a:t>26.08.25</a:t>
+              <a:t>29.08.2025</a:t>
             </a:fld>
             <a:endParaRPr lang="et-EE" dirty="0">
               <a:solidFill>
@@ -3968,35 +3966,30 @@
           <a:bodyPr/>
           <a:lstStyle/>
           <a:p>
+            <a:pPr lvl="1"/>
             <a:r>
               <a:rPr lang="en-US" dirty="0"/>
-              <a:t>Two more points from </a:t>
-            </a:r>
-            <a:r>
-              <a:rPr lang="en-US" dirty="0" err="1"/>
-              <a:t>Layertec</a:t>
+              <a:t>Parallelism </a:t>
+            </a:r>
+            <a:r>
+              <a:rPr lang="en-DE" dirty="0"/>
+              <a:t>//&lt;5’</a:t>
             </a:r>
             <a:r>
               <a:rPr lang="en-US" dirty="0"/>
-              <a:t>:</a:t>
+              <a:t> guaranteed – geometrically this should be approximately equivalent to a beam shift of about 3 to 4 spot sizes</a:t>
             </a:r>
           </a:p>
           <a:p>
             <a:pPr lvl="1"/>
             <a:r>
               <a:rPr lang="en-US" dirty="0"/>
-              <a:t>“You should as well avoid mounting which would apply sheer or rotational forces.”</a:t>
-            </a:r>
-          </a:p>
-          <a:p>
-            <a:pPr lvl="1"/>
-            <a:r>
-              <a:rPr lang="en-US" dirty="0"/>
-              <a:t>“we do CRD on the mirrors before contacting on the cavity (due to the geometry we cannot measure the whole cavity). The geometrical dimensions are verified during the production as well.”</a:t>
-            </a:r>
-          </a:p>
-          <a:p>
-            <a:pPr lvl="1"/>
+              <a:t>I am unsure about the higher order </a:t>
+            </a:r>
+            <a:r>
+              <a:rPr lang="en-US"/>
+              <a:t>mode coupling</a:t>
+            </a:r>
             <a:endParaRPr lang="en-US" dirty="0"/>
           </a:p>
         </p:txBody>
@@ -4023,7 +4016,7 @@
         </p:blipFill>
         <p:spPr>
           <a:xfrm>
-            <a:off x="381000" y="4161510"/>
+            <a:off x="572386" y="2417771"/>
             <a:ext cx="7772400" cy="1116088"/>
           </a:xfrm>
           <a:prstGeom prst="rect">
@@ -4063,924 +4056,10 @@
       </p:grpSpPr>
       <p:pic>
         <p:nvPicPr>
-          <p:cNvPr id="9" name="Content Placeholder 8">
+          <p:cNvPr id="7" name="Picture 6">
             <a:extLst>
               <a:ext uri="{FF2B5EF4-FFF2-40B4-BE49-F238E27FC236}">
-                <a16:creationId xmlns:a16="http://schemas.microsoft.com/office/drawing/2014/main" id="{B95EDCFC-8485-4D78-B972-5AB089AC451B}"/>
-              </a:ext>
-            </a:extLst>
-          </p:cNvPr>
-          <p:cNvPicPr>
-            <a:picLocks noGrp="1" noChangeAspect="1"/>
-          </p:cNvPicPr>
-          <p:nvPr>
-            <p:ph idx="1"/>
-          </p:nvPr>
-        </p:nvPicPr>
-        <p:blipFill>
-          <a:blip r:embed="rId2"/>
-          <a:stretch>
-            <a:fillRect/>
-          </a:stretch>
-        </p:blipFill>
-        <p:spPr>
-          <a:xfrm>
-            <a:off x="7990701" y="3689489"/>
-            <a:ext cx="3835327" cy="3168511"/>
-          </a:xfrm>
-        </p:spPr>
-      </p:pic>
-      <p:pic>
-        <p:nvPicPr>
-          <p:cNvPr id="8" name="Picture 7">
-            <a:extLst>
-              <a:ext uri="{FF2B5EF4-FFF2-40B4-BE49-F238E27FC236}">
-                <a16:creationId xmlns:a16="http://schemas.microsoft.com/office/drawing/2014/main" id="{E55E452A-F6A7-4EFD-87D7-B94BD400CC94}"/>
-              </a:ext>
-            </a:extLst>
-          </p:cNvPr>
-          <p:cNvPicPr>
-            <a:picLocks noChangeAspect="1"/>
-          </p:cNvPicPr>
-          <p:nvPr/>
-        </p:nvPicPr>
-        <p:blipFill>
-          <a:blip r:embed="rId3"/>
-          <a:stretch>
-            <a:fillRect/>
-          </a:stretch>
-        </p:blipFill>
-        <p:spPr>
-          <a:xfrm>
-            <a:off x="8331605" y="97474"/>
-            <a:ext cx="3566588" cy="3689489"/>
-          </a:xfrm>
-          <a:prstGeom prst="rect">
-            <a:avLst/>
-          </a:prstGeom>
-        </p:spPr>
-      </p:pic>
-      <p:sp>
-        <p:nvSpPr>
-          <p:cNvPr id="2" name="Title 1">
-            <a:extLst>
-              <a:ext uri="{FF2B5EF4-FFF2-40B4-BE49-F238E27FC236}">
-                <a16:creationId xmlns:a16="http://schemas.microsoft.com/office/drawing/2014/main" id="{4852603F-F808-43FF-B812-C17E5CEA2309}"/>
-              </a:ext>
-            </a:extLst>
-          </p:cNvPr>
-          <p:cNvSpPr>
-            <a:spLocks noGrp="1"/>
-          </p:cNvSpPr>
-          <p:nvPr>
-            <p:ph type="title"/>
-          </p:nvPr>
-        </p:nvSpPr>
-        <p:spPr/>
-        <p:txBody>
-          <a:bodyPr/>
-          <a:lstStyle/>
-          <a:p>
-            <a:r>
-              <a:rPr lang="en-US" dirty="0"/>
-              <a:t>Vacuum and Thermal</a:t>
-            </a:r>
-            <a:endParaRPr lang="LID4096" dirty="0"/>
-          </a:p>
-        </p:txBody>
-      </p:sp>
-      <p:sp>
-        <p:nvSpPr>
-          <p:cNvPr id="4" name="Date Placeholder 3">
-            <a:extLst>
-              <a:ext uri="{FF2B5EF4-FFF2-40B4-BE49-F238E27FC236}">
-                <a16:creationId xmlns:a16="http://schemas.microsoft.com/office/drawing/2014/main" id="{89F90063-910B-40B8-98D9-E2142313ECE8}"/>
-              </a:ext>
-            </a:extLst>
-          </p:cNvPr>
-          <p:cNvSpPr>
-            <a:spLocks noGrp="1"/>
-          </p:cNvSpPr>
-          <p:nvPr>
-            <p:ph type="dt" sz="half" idx="10"/>
-          </p:nvPr>
-        </p:nvSpPr>
-        <p:spPr/>
-        <p:txBody>
-          <a:bodyPr/>
-          <a:lstStyle/>
-          <a:p>
-            <a:fld id="{E1CF8E31-244F-4A6A-A7D5-704B96C48AAE}" type="datetime1">
-              <a:rPr lang="et-EE" smtClean="0"/>
-              <a:t>26.08.25</a:t>
-            </a:fld>
-            <a:endParaRPr lang="et-EE" dirty="0"/>
-          </a:p>
-        </p:txBody>
-      </p:sp>
-      <p:sp>
-        <p:nvSpPr>
-          <p:cNvPr id="5" name="Footer Placeholder 4">
-            <a:extLst>
-              <a:ext uri="{FF2B5EF4-FFF2-40B4-BE49-F238E27FC236}">
-                <a16:creationId xmlns:a16="http://schemas.microsoft.com/office/drawing/2014/main" id="{1FB4D55A-7E80-4713-862F-2AC3D4D96B64}"/>
-              </a:ext>
-            </a:extLst>
-          </p:cNvPr>
-          <p:cNvSpPr>
-            <a:spLocks noGrp="1"/>
-          </p:cNvSpPr>
-          <p:nvPr>
-            <p:ph type="ftr" sz="quarter" idx="11"/>
-          </p:nvPr>
-        </p:nvSpPr>
-        <p:spPr/>
-        <p:txBody>
-          <a:bodyPr/>
-          <a:lstStyle/>
-          <a:p>
-            <a:r>
-              <a:rPr lang="et-EE"/>
-              <a:t>Weekly</a:t>
-            </a:r>
-          </a:p>
-        </p:txBody>
-      </p:sp>
-      <p:sp>
-        <p:nvSpPr>
-          <p:cNvPr id="6" name="Slide Number Placeholder 5">
-            <a:extLst>
-              <a:ext uri="{FF2B5EF4-FFF2-40B4-BE49-F238E27FC236}">
-                <a16:creationId xmlns:a16="http://schemas.microsoft.com/office/drawing/2014/main" id="{6C71746D-3571-4DE9-9B56-F2133D118CC1}"/>
-              </a:ext>
-            </a:extLst>
-          </p:cNvPr>
-          <p:cNvSpPr>
-            <a:spLocks noGrp="1"/>
-          </p:cNvSpPr>
-          <p:nvPr>
-            <p:ph type="sldNum" sz="quarter" idx="12"/>
-          </p:nvPr>
-        </p:nvSpPr>
-        <p:spPr/>
-        <p:txBody>
-          <a:bodyPr/>
-          <a:lstStyle/>
-          <a:p>
-            <a:fld id="{9F39E346-B1F3-4075-BD67-234EF0F10AC6}" type="slidenum">
-              <a:rPr lang="et-EE" smtClean="0"/>
-              <a:pPr/>
-              <a:t>2</a:t>
-            </a:fld>
-            <a:endParaRPr lang="et-EE" dirty="0"/>
-          </a:p>
-        </p:txBody>
-      </p:sp>
-      <p:sp>
-        <p:nvSpPr>
-          <p:cNvPr id="10" name="Content Placeholder 10">
-            <a:extLst>
-              <a:ext uri="{FF2B5EF4-FFF2-40B4-BE49-F238E27FC236}">
-                <a16:creationId xmlns:a16="http://schemas.microsoft.com/office/drawing/2014/main" id="{B7C8C37C-5791-43AE-B00A-AEB2A464FF01}"/>
-              </a:ext>
-            </a:extLst>
-          </p:cNvPr>
-          <p:cNvSpPr txBox="1">
-            <a:spLocks/>
-          </p:cNvSpPr>
-          <p:nvPr/>
-        </p:nvSpPr>
-        <p:spPr>
-          <a:xfrm>
-            <a:off x="224442" y="1161756"/>
-            <a:ext cx="8158331" cy="4365423"/>
-          </a:xfrm>
-          <a:prstGeom prst="rect">
-            <a:avLst/>
-          </a:prstGeom>
-        </p:spPr>
-        <p:txBody>
-          <a:bodyPr vert="horz" lIns="91440" tIns="45720" rIns="91440" bIns="45720" rtlCol="0">
-            <a:normAutofit/>
-          </a:bodyPr>
-          <a:lstStyle>
-            <a:lvl1pPr marL="91440" indent="-228600" algn="l" defTabSz="914400" rtl="0" eaLnBrk="1" latinLnBrk="0" hangingPunct="1">
-              <a:lnSpc>
-                <a:spcPct val="100000"/>
-              </a:lnSpc>
-              <a:spcBef>
-                <a:spcPts val="1000"/>
-              </a:spcBef>
-              <a:buFont typeface="Arial" panose="020B0604020202020204" pitchFamily="34" charset="0"/>
-              <a:buChar char="•"/>
-              <a:defRPr sz="2400" b="0" kern="1200">
-                <a:solidFill>
-                  <a:srgbClr val="667982"/>
-                </a:solidFill>
-                <a:latin typeface="Arial" panose="020B0604020202020204" pitchFamily="34" charset="0"/>
-                <a:ea typeface="+mn-ea"/>
-                <a:cs typeface="Arial" panose="020B0604020202020204" pitchFamily="34" charset="0"/>
-              </a:defRPr>
-            </a:lvl1pPr>
-            <a:lvl2pPr marL="685800" indent="-228600" algn="l" defTabSz="914400" rtl="0" eaLnBrk="1" latinLnBrk="0" hangingPunct="1">
-              <a:lnSpc>
-                <a:spcPct val="100000"/>
-              </a:lnSpc>
-              <a:spcBef>
-                <a:spcPts val="500"/>
-              </a:spcBef>
-              <a:buFont typeface="Arial" panose="020B0604020202020204" pitchFamily="34" charset="0"/>
-              <a:buChar char="•"/>
-              <a:defRPr sz="2400" b="0" kern="1200">
-                <a:solidFill>
-                  <a:srgbClr val="667982"/>
-                </a:solidFill>
-                <a:latin typeface="Arial" panose="020B0604020202020204" pitchFamily="34" charset="0"/>
-                <a:ea typeface="+mn-ea"/>
-                <a:cs typeface="Arial" panose="020B0604020202020204" pitchFamily="34" charset="0"/>
-              </a:defRPr>
-            </a:lvl2pPr>
-            <a:lvl3pPr marL="1143000" indent="-228600" algn="l" defTabSz="914400" rtl="0" eaLnBrk="1" latinLnBrk="0" hangingPunct="1">
-              <a:lnSpc>
-                <a:spcPct val="100000"/>
-              </a:lnSpc>
-              <a:spcBef>
-                <a:spcPts val="500"/>
-              </a:spcBef>
-              <a:buFont typeface="Arial" panose="020B0604020202020204" pitchFamily="34" charset="0"/>
-              <a:buChar char="•"/>
-              <a:defRPr sz="2000" b="0" kern="1200">
-                <a:solidFill>
-                  <a:srgbClr val="667982"/>
-                </a:solidFill>
-                <a:latin typeface="Arial" panose="020B0604020202020204" pitchFamily="34" charset="0"/>
-                <a:ea typeface="+mn-ea"/>
-                <a:cs typeface="Arial" panose="020B0604020202020204" pitchFamily="34" charset="0"/>
-              </a:defRPr>
-            </a:lvl3pPr>
-            <a:lvl4pPr marL="1600200" indent="-228600" algn="l" defTabSz="914400" rtl="0" eaLnBrk="1" latinLnBrk="0" hangingPunct="1">
-              <a:lnSpc>
-                <a:spcPct val="100000"/>
-              </a:lnSpc>
-              <a:spcBef>
-                <a:spcPts val="500"/>
-              </a:spcBef>
-              <a:buFont typeface="Arial" panose="020B0604020202020204" pitchFamily="34" charset="0"/>
-              <a:buChar char="•"/>
-              <a:defRPr sz="1800" b="0" kern="1200">
-                <a:solidFill>
-                  <a:srgbClr val="667982"/>
-                </a:solidFill>
-                <a:latin typeface="Arial" panose="020B0604020202020204" pitchFamily="34" charset="0"/>
-                <a:ea typeface="+mn-ea"/>
-                <a:cs typeface="Arial" panose="020B0604020202020204" pitchFamily="34" charset="0"/>
-              </a:defRPr>
-            </a:lvl4pPr>
-            <a:lvl5pPr marL="2057400" indent="-228600" algn="l" defTabSz="914400" rtl="0" eaLnBrk="1" latinLnBrk="0" hangingPunct="1">
-              <a:lnSpc>
-                <a:spcPct val="100000"/>
-              </a:lnSpc>
-              <a:spcBef>
-                <a:spcPts val="500"/>
-              </a:spcBef>
-              <a:buFont typeface="Arial" panose="020B0604020202020204" pitchFamily="34" charset="0"/>
-              <a:buChar char="•"/>
-              <a:defRPr sz="1800" b="0" kern="1200">
-                <a:solidFill>
-                  <a:srgbClr val="667982"/>
-                </a:solidFill>
-                <a:latin typeface="Arial" panose="020B0604020202020204" pitchFamily="34" charset="0"/>
-                <a:ea typeface="+mn-ea"/>
-                <a:cs typeface="Arial" panose="020B0604020202020204" pitchFamily="34" charset="0"/>
-              </a:defRPr>
-            </a:lvl5pPr>
-            <a:lvl6pPr marL="2514600" indent="-228600" algn="l" defTabSz="914400" rtl="0" eaLnBrk="1" latinLnBrk="0" hangingPunct="1">
-              <a:lnSpc>
-                <a:spcPct val="90000"/>
-              </a:lnSpc>
-              <a:spcBef>
-                <a:spcPts val="500"/>
-              </a:spcBef>
-              <a:buFont typeface="Arial" panose="020B0604020202020204" pitchFamily="34" charset="0"/>
-              <a:buChar char="•"/>
-              <a:defRPr sz="1800" kern="1200">
-                <a:solidFill>
-                  <a:schemeClr val="tx1"/>
-                </a:solidFill>
-                <a:latin typeface="+mn-lt"/>
-                <a:ea typeface="+mn-ea"/>
-                <a:cs typeface="+mn-cs"/>
-              </a:defRPr>
-            </a:lvl6pPr>
-            <a:lvl7pPr marL="2971800" indent="-228600" algn="l" defTabSz="914400" rtl="0" eaLnBrk="1" latinLnBrk="0" hangingPunct="1">
-              <a:lnSpc>
-                <a:spcPct val="90000"/>
-              </a:lnSpc>
-              <a:spcBef>
-                <a:spcPts val="500"/>
-              </a:spcBef>
-              <a:buFont typeface="Arial" panose="020B0604020202020204" pitchFamily="34" charset="0"/>
-              <a:buChar char="•"/>
-              <a:defRPr sz="1800" kern="1200">
-                <a:solidFill>
-                  <a:schemeClr val="tx1"/>
-                </a:solidFill>
-                <a:latin typeface="+mn-lt"/>
-                <a:ea typeface="+mn-ea"/>
-                <a:cs typeface="+mn-cs"/>
-              </a:defRPr>
-            </a:lvl7pPr>
-            <a:lvl8pPr marL="3429000" indent="-228600" algn="l" defTabSz="914400" rtl="0" eaLnBrk="1" latinLnBrk="0" hangingPunct="1">
-              <a:lnSpc>
-                <a:spcPct val="90000"/>
-              </a:lnSpc>
-              <a:spcBef>
-                <a:spcPts val="500"/>
-              </a:spcBef>
-              <a:buFont typeface="Arial" panose="020B0604020202020204" pitchFamily="34" charset="0"/>
-              <a:buChar char="•"/>
-              <a:defRPr sz="1800" kern="1200">
-                <a:solidFill>
-                  <a:schemeClr val="tx1"/>
-                </a:solidFill>
-                <a:latin typeface="+mn-lt"/>
-                <a:ea typeface="+mn-ea"/>
-                <a:cs typeface="+mn-cs"/>
-              </a:defRPr>
-            </a:lvl8pPr>
-            <a:lvl9pPr marL="3886200" indent="-228600" algn="l" defTabSz="914400" rtl="0" eaLnBrk="1" latinLnBrk="0" hangingPunct="1">
-              <a:lnSpc>
-                <a:spcPct val="90000"/>
-              </a:lnSpc>
-              <a:spcBef>
-                <a:spcPts val="500"/>
-              </a:spcBef>
-              <a:buFont typeface="Arial" panose="020B0604020202020204" pitchFamily="34" charset="0"/>
-              <a:buChar char="•"/>
-              <a:defRPr sz="1800" kern="1200">
-                <a:solidFill>
-                  <a:schemeClr val="tx1"/>
-                </a:solidFill>
-                <a:latin typeface="+mn-lt"/>
-                <a:ea typeface="+mn-ea"/>
-                <a:cs typeface="+mn-cs"/>
-              </a:defRPr>
-            </a:lvl9pPr>
-          </a:lstStyle>
-          <a:p>
-            <a:r>
-              <a:rPr lang="en-US" dirty="0"/>
-              <a:t>Philip designed a shield that can be assembled inside the vacuum tank.</a:t>
-            </a:r>
-          </a:p>
-          <a:p>
-            <a:r>
-              <a:rPr lang="en-US" dirty="0"/>
-              <a:t>Pfeiffer responded, should get a quote maybe next week</a:t>
-            </a:r>
-          </a:p>
-          <a:p>
-            <a:r>
-              <a:rPr lang="en-US" dirty="0"/>
-              <a:t>I’ve been reading about pumps.</a:t>
-            </a:r>
-          </a:p>
-          <a:p>
-            <a:pPr lvl="1"/>
-            <a:endParaRPr lang="en-US" dirty="0"/>
-          </a:p>
-        </p:txBody>
-      </p:sp>
-    </p:spTree>
-    <p:extLst>
-      <p:ext uri="{BB962C8B-B14F-4D97-AF65-F5344CB8AC3E}">
-        <p14:creationId xmlns:p14="http://schemas.microsoft.com/office/powerpoint/2010/main" val="2033019476"/>
-      </p:ext>
-    </p:extLst>
-  </p:cSld>
-  <p:clrMapOvr>
-    <a:masterClrMapping/>
-  </p:clrMapOvr>
-</p:sld>
-</file>
-
-<file path=ppt/slides/slide3.xml><?xml version="1.0" encoding="utf-8"?>
-<p:sld xmlns:a="http://schemas.openxmlformats.org/drawingml/2006/main" xmlns:r="http://schemas.openxmlformats.org/officeDocument/2006/relationships" xmlns:p="http://schemas.openxmlformats.org/presentationml/2006/main">
-  <p:cSld>
-    <p:spTree>
-      <p:nvGrpSpPr>
-        <p:cNvPr id="1" name=""/>
-        <p:cNvGrpSpPr/>
-        <p:nvPr/>
-      </p:nvGrpSpPr>
-      <p:grpSpPr>
-        <a:xfrm>
-          <a:off x="0" y="0"/>
-          <a:ext cx="0" cy="0"/>
-          <a:chOff x="0" y="0"/>
-          <a:chExt cx="0" cy="0"/>
-        </a:xfrm>
-      </p:grpSpPr>
-      <p:pic>
-        <p:nvPicPr>
-          <p:cNvPr id="8" name="Content Placeholder 7">
-            <a:extLst>
-              <a:ext uri="{FF2B5EF4-FFF2-40B4-BE49-F238E27FC236}">
-                <a16:creationId xmlns:a16="http://schemas.microsoft.com/office/drawing/2014/main" id="{47F8BE09-E7EF-4C2A-A870-5E3539E90627}"/>
-              </a:ext>
-            </a:extLst>
-          </p:cNvPr>
-          <p:cNvPicPr>
-            <a:picLocks noGrp="1" noChangeAspect="1"/>
-          </p:cNvPicPr>
-          <p:nvPr>
-            <p:ph idx="1"/>
-          </p:nvPr>
-        </p:nvPicPr>
-        <p:blipFill>
-          <a:blip r:embed="rId2"/>
-          <a:stretch>
-            <a:fillRect/>
-          </a:stretch>
-        </p:blipFill>
-        <p:spPr>
-          <a:xfrm>
-            <a:off x="5810487" y="0"/>
-            <a:ext cx="6446682" cy="4365625"/>
-          </a:xfrm>
-        </p:spPr>
-      </p:pic>
-      <p:sp>
-        <p:nvSpPr>
-          <p:cNvPr id="4" name="Date Placeholder 3">
-            <a:extLst>
-              <a:ext uri="{FF2B5EF4-FFF2-40B4-BE49-F238E27FC236}">
-                <a16:creationId xmlns:a16="http://schemas.microsoft.com/office/drawing/2014/main" id="{EFFE0FF4-D9AE-464A-A9F2-910D14F812B0}"/>
-              </a:ext>
-            </a:extLst>
-          </p:cNvPr>
-          <p:cNvSpPr>
-            <a:spLocks noGrp="1"/>
-          </p:cNvSpPr>
-          <p:nvPr>
-            <p:ph type="dt" sz="half" idx="10"/>
-          </p:nvPr>
-        </p:nvSpPr>
-        <p:spPr/>
-        <p:txBody>
-          <a:bodyPr/>
-          <a:lstStyle/>
-          <a:p>
-            <a:fld id="{E1CF8E31-244F-4A6A-A7D5-704B96C48AAE}" type="datetime1">
-              <a:rPr lang="et-EE" smtClean="0"/>
-              <a:t>26.08.25</a:t>
-            </a:fld>
-            <a:endParaRPr lang="et-EE" dirty="0"/>
-          </a:p>
-        </p:txBody>
-      </p:sp>
-      <p:sp>
-        <p:nvSpPr>
-          <p:cNvPr id="5" name="Footer Placeholder 4">
-            <a:extLst>
-              <a:ext uri="{FF2B5EF4-FFF2-40B4-BE49-F238E27FC236}">
-                <a16:creationId xmlns:a16="http://schemas.microsoft.com/office/drawing/2014/main" id="{71494ABA-35FC-48E3-9FD9-CB5CDEB2CAE3}"/>
-              </a:ext>
-            </a:extLst>
-          </p:cNvPr>
-          <p:cNvSpPr>
-            <a:spLocks noGrp="1"/>
-          </p:cNvSpPr>
-          <p:nvPr>
-            <p:ph type="ftr" sz="quarter" idx="11"/>
-          </p:nvPr>
-        </p:nvSpPr>
-        <p:spPr/>
-        <p:txBody>
-          <a:bodyPr/>
-          <a:lstStyle/>
-          <a:p>
-            <a:r>
-              <a:rPr lang="et-EE"/>
-              <a:t>Weekly</a:t>
-            </a:r>
-          </a:p>
-        </p:txBody>
-      </p:sp>
-      <p:sp>
-        <p:nvSpPr>
-          <p:cNvPr id="6" name="Slide Number Placeholder 5">
-            <a:extLst>
-              <a:ext uri="{FF2B5EF4-FFF2-40B4-BE49-F238E27FC236}">
-                <a16:creationId xmlns:a16="http://schemas.microsoft.com/office/drawing/2014/main" id="{602C4CD9-9D04-4C21-80CC-F22DFDEB1B8D}"/>
-              </a:ext>
-            </a:extLst>
-          </p:cNvPr>
-          <p:cNvSpPr>
-            <a:spLocks noGrp="1"/>
-          </p:cNvSpPr>
-          <p:nvPr>
-            <p:ph type="sldNum" sz="quarter" idx="12"/>
-          </p:nvPr>
-        </p:nvSpPr>
-        <p:spPr/>
-        <p:txBody>
-          <a:bodyPr/>
-          <a:lstStyle/>
-          <a:p>
-            <a:fld id="{9F39E346-B1F3-4075-BD67-234EF0F10AC6}" type="slidenum">
-              <a:rPr lang="et-EE" smtClean="0"/>
-              <a:pPr/>
-              <a:t>3</a:t>
-            </a:fld>
-            <a:endParaRPr lang="et-EE" dirty="0"/>
-          </a:p>
-        </p:txBody>
-      </p:sp>
-      <p:pic>
-        <p:nvPicPr>
-          <p:cNvPr id="10" name="Picture 9">
-            <a:extLst>
-              <a:ext uri="{FF2B5EF4-FFF2-40B4-BE49-F238E27FC236}">
-                <a16:creationId xmlns:a16="http://schemas.microsoft.com/office/drawing/2014/main" id="{7E19DD7A-BEFD-4881-ABDB-3D02DD975EDC}"/>
-              </a:ext>
-            </a:extLst>
-          </p:cNvPr>
-          <p:cNvPicPr>
-            <a:picLocks noChangeAspect="1"/>
-          </p:cNvPicPr>
-          <p:nvPr/>
-        </p:nvPicPr>
-        <p:blipFill>
-          <a:blip r:embed="rId3"/>
-          <a:stretch>
-            <a:fillRect/>
-          </a:stretch>
-        </p:blipFill>
-        <p:spPr>
-          <a:xfrm>
-            <a:off x="9242" y="2474801"/>
-            <a:ext cx="5942308" cy="4025235"/>
-          </a:xfrm>
-          <a:prstGeom prst="rect">
-            <a:avLst/>
-          </a:prstGeom>
-        </p:spPr>
-      </p:pic>
-      <p:sp>
-        <p:nvSpPr>
-          <p:cNvPr id="11" name="TextBox 10">
-            <a:extLst>
-              <a:ext uri="{FF2B5EF4-FFF2-40B4-BE49-F238E27FC236}">
-                <a16:creationId xmlns:a16="http://schemas.microsoft.com/office/drawing/2014/main" id="{07380118-A25B-415A-BE06-3E032F90BDA1}"/>
-              </a:ext>
-            </a:extLst>
-          </p:cNvPr>
-          <p:cNvSpPr txBox="1"/>
-          <p:nvPr/>
-        </p:nvSpPr>
-        <p:spPr>
-          <a:xfrm>
-            <a:off x="224443" y="2672317"/>
-            <a:ext cx="1151277" cy="307777"/>
-          </a:xfrm>
-          <a:prstGeom prst="rect">
-            <a:avLst/>
-          </a:prstGeom>
-          <a:noFill/>
-        </p:spPr>
-        <p:txBody>
-          <a:bodyPr wrap="none" rtlCol="0">
-            <a:spAutoFit/>
-          </a:bodyPr>
-          <a:lstStyle/>
-          <a:p>
-            <a:pPr algn="l"/>
-            <a:r>
-              <a:rPr lang="en-US" sz="1400" dirty="0">
-                <a:solidFill>
-                  <a:srgbClr val="667982"/>
-                </a:solidFill>
-                <a:latin typeface="Arial" panose="020B0604020202020204" pitchFamily="34" charset="0"/>
-                <a:cs typeface="Arial" panose="020B0604020202020204" pitchFamily="34" charset="0"/>
-              </a:rPr>
-              <a:t>Scroll Pump</a:t>
-            </a:r>
-            <a:endParaRPr lang="LID4096" sz="1400" dirty="0">
-              <a:solidFill>
-                <a:srgbClr val="667982"/>
-              </a:solidFill>
-              <a:latin typeface="Arial" panose="020B0604020202020204" pitchFamily="34" charset="0"/>
-              <a:cs typeface="Arial" panose="020B0604020202020204" pitchFamily="34" charset="0"/>
-            </a:endParaRPr>
-          </a:p>
-        </p:txBody>
-      </p:sp>
-      <p:sp>
-        <p:nvSpPr>
-          <p:cNvPr id="12" name="TextBox 11">
-            <a:extLst>
-              <a:ext uri="{FF2B5EF4-FFF2-40B4-BE49-F238E27FC236}">
-                <a16:creationId xmlns:a16="http://schemas.microsoft.com/office/drawing/2014/main" id="{931A7BDF-2D85-4149-A434-840310167E6F}"/>
-              </a:ext>
-            </a:extLst>
-          </p:cNvPr>
-          <p:cNvSpPr txBox="1"/>
-          <p:nvPr/>
-        </p:nvSpPr>
-        <p:spPr>
-          <a:xfrm>
-            <a:off x="5901934" y="1648777"/>
-            <a:ext cx="1938095" cy="307777"/>
-          </a:xfrm>
-          <a:prstGeom prst="rect">
-            <a:avLst/>
-          </a:prstGeom>
-          <a:noFill/>
-        </p:spPr>
-        <p:txBody>
-          <a:bodyPr wrap="none" rtlCol="0">
-            <a:spAutoFit/>
-          </a:bodyPr>
-          <a:lstStyle/>
-          <a:p>
-            <a:pPr algn="l"/>
-            <a:r>
-              <a:rPr lang="en-US" sz="1400" dirty="0">
-                <a:solidFill>
-                  <a:srgbClr val="667982"/>
-                </a:solidFill>
-                <a:latin typeface="Arial" panose="020B0604020202020204" pitchFamily="34" charset="0"/>
-                <a:cs typeface="Arial" panose="020B0604020202020204" pitchFamily="34" charset="0"/>
-              </a:rPr>
-              <a:t>Turbomolecular Pump</a:t>
-            </a:r>
-            <a:endParaRPr lang="LID4096" sz="1400" dirty="0">
-              <a:solidFill>
-                <a:srgbClr val="667982"/>
-              </a:solidFill>
-              <a:latin typeface="Arial" panose="020B0604020202020204" pitchFamily="34" charset="0"/>
-              <a:cs typeface="Arial" panose="020B0604020202020204" pitchFamily="34" charset="0"/>
-            </a:endParaRPr>
-          </a:p>
-        </p:txBody>
-      </p:sp>
-      <p:sp>
-        <p:nvSpPr>
-          <p:cNvPr id="2" name="Title 1">
-            <a:extLst>
-              <a:ext uri="{FF2B5EF4-FFF2-40B4-BE49-F238E27FC236}">
-                <a16:creationId xmlns:a16="http://schemas.microsoft.com/office/drawing/2014/main" id="{F6728C4F-C6F5-4506-8272-1DBF103DC24E}"/>
-              </a:ext>
-            </a:extLst>
-          </p:cNvPr>
-          <p:cNvSpPr>
-            <a:spLocks noGrp="1"/>
-          </p:cNvSpPr>
-          <p:nvPr>
-            <p:ph type="title"/>
-          </p:nvPr>
-        </p:nvSpPr>
-        <p:spPr/>
-        <p:txBody>
-          <a:bodyPr/>
-          <a:lstStyle/>
-          <a:p>
-            <a:r>
-              <a:rPr lang="en-US" dirty="0"/>
-              <a:t>Pumps – Available on SAP</a:t>
-            </a:r>
-            <a:endParaRPr lang="LID4096" dirty="0"/>
-          </a:p>
-        </p:txBody>
-      </p:sp>
-      <p:sp>
-        <p:nvSpPr>
-          <p:cNvPr id="13" name="Rectangle 12">
-            <a:extLst>
-              <a:ext uri="{FF2B5EF4-FFF2-40B4-BE49-F238E27FC236}">
-                <a16:creationId xmlns:a16="http://schemas.microsoft.com/office/drawing/2014/main" id="{95A2616B-6A85-41F0-BAB7-4CF550BACA9F}"/>
-              </a:ext>
-            </a:extLst>
-          </p:cNvPr>
-          <p:cNvSpPr/>
-          <p:nvPr/>
-        </p:nvSpPr>
-        <p:spPr>
-          <a:xfrm>
-            <a:off x="2048540" y="3040912"/>
-            <a:ext cx="999460" cy="212651"/>
-          </a:xfrm>
-          <a:prstGeom prst="rect">
-            <a:avLst/>
-          </a:prstGeom>
-        </p:spPr>
-        <p:style>
-          <a:lnRef idx="2">
-            <a:schemeClr val="accent6">
-              <a:shade val="50000"/>
-            </a:schemeClr>
-          </a:lnRef>
-          <a:fillRef idx="1">
-            <a:schemeClr val="accent6"/>
-          </a:fillRef>
-          <a:effectRef idx="0">
-            <a:schemeClr val="accent6"/>
-          </a:effectRef>
-          <a:fontRef idx="minor">
-            <a:schemeClr val="lt1"/>
-          </a:fontRef>
-        </p:style>
-        <p:txBody>
-          <a:bodyPr rtlCol="0" anchor="ctr"/>
-          <a:lstStyle/>
-          <a:p>
-            <a:pPr algn="ctr"/>
-            <a:endParaRPr lang="LID4096"/>
-          </a:p>
-        </p:txBody>
-      </p:sp>
-    </p:spTree>
-    <p:extLst>
-      <p:ext uri="{BB962C8B-B14F-4D97-AF65-F5344CB8AC3E}">
-        <p14:creationId xmlns:p14="http://schemas.microsoft.com/office/powerpoint/2010/main" val="2699703287"/>
-      </p:ext>
-    </p:extLst>
-  </p:cSld>
-  <p:clrMapOvr>
-    <a:masterClrMapping/>
-  </p:clrMapOvr>
-</p:sld>
-</file>
-
-<file path=ppt/slides/slide4.xml><?xml version="1.0" encoding="utf-8"?>
-<p:sld xmlns:a="http://schemas.openxmlformats.org/drawingml/2006/main" xmlns:r="http://schemas.openxmlformats.org/officeDocument/2006/relationships" xmlns:p="http://schemas.openxmlformats.org/presentationml/2006/main">
-  <p:cSld>
-    <p:spTree>
-      <p:nvGrpSpPr>
-        <p:cNvPr id="1" name=""/>
-        <p:cNvGrpSpPr/>
-        <p:nvPr/>
-      </p:nvGrpSpPr>
-      <p:grpSpPr>
-        <a:xfrm>
-          <a:off x="0" y="0"/>
-          <a:ext cx="0" cy="0"/>
-          <a:chOff x="0" y="0"/>
-          <a:chExt cx="0" cy="0"/>
-        </a:xfrm>
-      </p:grpSpPr>
-      <p:sp>
-        <p:nvSpPr>
-          <p:cNvPr id="2" name="Title 1">
-            <a:extLst>
-              <a:ext uri="{FF2B5EF4-FFF2-40B4-BE49-F238E27FC236}">
-                <a16:creationId xmlns:a16="http://schemas.microsoft.com/office/drawing/2014/main" id="{37A36EAE-AB4B-4DE0-81C5-9E0B47BEF9E0}"/>
-              </a:ext>
-            </a:extLst>
-          </p:cNvPr>
-          <p:cNvSpPr>
-            <a:spLocks noGrp="1"/>
-          </p:cNvSpPr>
-          <p:nvPr>
-            <p:ph type="title"/>
-          </p:nvPr>
-        </p:nvSpPr>
-        <p:spPr/>
-        <p:txBody>
-          <a:bodyPr/>
-          <a:lstStyle/>
-          <a:p>
-            <a:r>
-              <a:rPr lang="en-US" dirty="0"/>
-              <a:t>Ion Pump</a:t>
-            </a:r>
-            <a:endParaRPr lang="LID4096" dirty="0"/>
-          </a:p>
-        </p:txBody>
-      </p:sp>
-      <p:sp>
-        <p:nvSpPr>
-          <p:cNvPr id="3" name="Content Placeholder 2">
-            <a:extLst>
-              <a:ext uri="{FF2B5EF4-FFF2-40B4-BE49-F238E27FC236}">
-                <a16:creationId xmlns:a16="http://schemas.microsoft.com/office/drawing/2014/main" id="{5D366E27-0175-4773-A7A8-77F94F8B0AE8}"/>
-              </a:ext>
-            </a:extLst>
-          </p:cNvPr>
-          <p:cNvSpPr>
-            <a:spLocks noGrp="1"/>
-          </p:cNvSpPr>
-          <p:nvPr>
-            <p:ph idx="1"/>
-          </p:nvPr>
-        </p:nvSpPr>
-        <p:spPr/>
-        <p:txBody>
-          <a:bodyPr/>
-          <a:lstStyle/>
-          <a:p>
-            <a:r>
-              <a:rPr lang="en-US" dirty="0"/>
-              <a:t>Not that many options on the market I believe.</a:t>
-            </a:r>
-            <a:endParaRPr lang="LID4096" dirty="0"/>
-          </a:p>
-        </p:txBody>
-      </p:sp>
-      <p:sp>
-        <p:nvSpPr>
-          <p:cNvPr id="4" name="Date Placeholder 3">
-            <a:extLst>
-              <a:ext uri="{FF2B5EF4-FFF2-40B4-BE49-F238E27FC236}">
-                <a16:creationId xmlns:a16="http://schemas.microsoft.com/office/drawing/2014/main" id="{6F8F1333-4BEC-486D-B8D8-14933DB9ED6A}"/>
-              </a:ext>
-            </a:extLst>
-          </p:cNvPr>
-          <p:cNvSpPr>
-            <a:spLocks noGrp="1"/>
-          </p:cNvSpPr>
-          <p:nvPr>
-            <p:ph type="dt" sz="half" idx="10"/>
-          </p:nvPr>
-        </p:nvSpPr>
-        <p:spPr/>
-        <p:txBody>
-          <a:bodyPr/>
-          <a:lstStyle/>
-          <a:p>
-            <a:fld id="{E1CF8E31-244F-4A6A-A7D5-704B96C48AAE}" type="datetime1">
-              <a:rPr lang="et-EE" smtClean="0"/>
-              <a:t>26.08.25</a:t>
-            </a:fld>
-            <a:endParaRPr lang="et-EE" dirty="0"/>
-          </a:p>
-        </p:txBody>
-      </p:sp>
-      <p:sp>
-        <p:nvSpPr>
-          <p:cNvPr id="5" name="Footer Placeholder 4">
-            <a:extLst>
-              <a:ext uri="{FF2B5EF4-FFF2-40B4-BE49-F238E27FC236}">
-                <a16:creationId xmlns:a16="http://schemas.microsoft.com/office/drawing/2014/main" id="{008E7EB7-A40C-4021-9A03-77F468873DC0}"/>
-              </a:ext>
-            </a:extLst>
-          </p:cNvPr>
-          <p:cNvSpPr>
-            <a:spLocks noGrp="1"/>
-          </p:cNvSpPr>
-          <p:nvPr>
-            <p:ph type="ftr" sz="quarter" idx="11"/>
-          </p:nvPr>
-        </p:nvSpPr>
-        <p:spPr/>
-        <p:txBody>
-          <a:bodyPr/>
-          <a:lstStyle/>
-          <a:p>
-            <a:r>
-              <a:rPr lang="et-EE"/>
-              <a:t>Weekly</a:t>
-            </a:r>
-          </a:p>
-        </p:txBody>
-      </p:sp>
-      <p:sp>
-        <p:nvSpPr>
-          <p:cNvPr id="6" name="Slide Number Placeholder 5">
-            <a:extLst>
-              <a:ext uri="{FF2B5EF4-FFF2-40B4-BE49-F238E27FC236}">
-                <a16:creationId xmlns:a16="http://schemas.microsoft.com/office/drawing/2014/main" id="{6F5DA84B-7B58-452F-97F6-C1F93670802C}"/>
-              </a:ext>
-            </a:extLst>
-          </p:cNvPr>
-          <p:cNvSpPr>
-            <a:spLocks noGrp="1"/>
-          </p:cNvSpPr>
-          <p:nvPr>
-            <p:ph type="sldNum" sz="quarter" idx="12"/>
-          </p:nvPr>
-        </p:nvSpPr>
-        <p:spPr/>
-        <p:txBody>
-          <a:bodyPr/>
-          <a:lstStyle/>
-          <a:p>
-            <a:fld id="{9F39E346-B1F3-4075-BD67-234EF0F10AC6}" type="slidenum">
-              <a:rPr lang="et-EE" smtClean="0"/>
-              <a:pPr/>
-              <a:t>4</a:t>
-            </a:fld>
-            <a:endParaRPr lang="et-EE" dirty="0"/>
-          </a:p>
-        </p:txBody>
-      </p:sp>
-      <p:pic>
-        <p:nvPicPr>
-          <p:cNvPr id="8" name="Picture 7">
-            <a:extLst>
-              <a:ext uri="{FF2B5EF4-FFF2-40B4-BE49-F238E27FC236}">
-                <a16:creationId xmlns:a16="http://schemas.microsoft.com/office/drawing/2014/main" id="{2550C3FC-4A00-4091-8DEF-B57777E274BE}"/>
+                <a16:creationId xmlns:a16="http://schemas.microsoft.com/office/drawing/2014/main" id="{26EF72B0-E583-42B0-A227-47AD1A176F9B}"/>
               </a:ext>
             </a:extLst>
           </p:cNvPr>
@@ -4997,70 +4076,409 @@
         </p:blipFill>
         <p:spPr>
           <a:xfrm>
-            <a:off x="1380154" y="2031900"/>
-            <a:ext cx="8789582" cy="4005548"/>
+            <a:off x="7807721" y="3267739"/>
+            <a:ext cx="4159836" cy="3710763"/>
           </a:xfrm>
           <a:prstGeom prst="rect">
             <a:avLst/>
           </a:prstGeom>
         </p:spPr>
       </p:pic>
-      <p:sp>
-        <p:nvSpPr>
-          <p:cNvPr id="9" name="Rectangle 8">
+      <p:pic>
+        <p:nvPicPr>
+          <p:cNvPr id="9" name="Content Placeholder 8">
             <a:extLst>
               <a:ext uri="{FF2B5EF4-FFF2-40B4-BE49-F238E27FC236}">
-                <a16:creationId xmlns:a16="http://schemas.microsoft.com/office/drawing/2014/main" id="{99C5E17C-1EC0-411B-8A78-A8B72E128360}"/>
+                <a16:creationId xmlns:a16="http://schemas.microsoft.com/office/drawing/2014/main" id="{B95EDCFC-8485-4D78-B972-5AB089AC451B}"/>
               </a:ext>
             </a:extLst>
           </p:cNvPr>
-          <p:cNvSpPr/>
-          <p:nvPr/>
-        </p:nvSpPr>
+          <p:cNvPicPr>
+            <a:picLocks noGrp="1" noChangeAspect="1"/>
+          </p:cNvPicPr>
+          <p:nvPr>
+            <p:ph idx="1"/>
+          </p:nvPr>
+        </p:nvPicPr>
+        <p:blipFill rotWithShape="1">
+          <a:blip r:embed="rId3"/>
+          <a:srcRect b="6121"/>
+          <a:stretch/>
+        </p:blipFill>
         <p:spPr>
           <a:xfrm>
-            <a:off x="1596043" y="4635795"/>
-            <a:ext cx="8573693" cy="786810"/>
+            <a:off x="7828446" y="454427"/>
+            <a:ext cx="3835327" cy="2974573"/>
+          </a:xfrm>
+        </p:spPr>
+      </p:pic>
+      <p:sp>
+        <p:nvSpPr>
+          <p:cNvPr id="2" name="Title 1">
+            <a:extLst>
+              <a:ext uri="{FF2B5EF4-FFF2-40B4-BE49-F238E27FC236}">
+                <a16:creationId xmlns:a16="http://schemas.microsoft.com/office/drawing/2014/main" id="{4852603F-F808-43FF-B812-C17E5CEA2309}"/>
+              </a:ext>
+            </a:extLst>
+          </p:cNvPr>
+          <p:cNvSpPr>
+            <a:spLocks noGrp="1"/>
+          </p:cNvSpPr>
+          <p:nvPr>
+            <p:ph type="title"/>
+          </p:nvPr>
+        </p:nvSpPr>
+        <p:spPr/>
+        <p:txBody>
+          <a:bodyPr/>
+          <a:lstStyle/>
+          <a:p>
+            <a:r>
+              <a:rPr lang="en-US" dirty="0"/>
+              <a:t>Vacuum and Thermal</a:t>
+            </a:r>
+            <a:endParaRPr lang="LID4096" dirty="0"/>
+          </a:p>
+        </p:txBody>
+      </p:sp>
+      <p:sp>
+        <p:nvSpPr>
+          <p:cNvPr id="4" name="Date Placeholder 3">
+            <a:extLst>
+              <a:ext uri="{FF2B5EF4-FFF2-40B4-BE49-F238E27FC236}">
+                <a16:creationId xmlns:a16="http://schemas.microsoft.com/office/drawing/2014/main" id="{89F90063-910B-40B8-98D9-E2142313ECE8}"/>
+              </a:ext>
+            </a:extLst>
+          </p:cNvPr>
+          <p:cNvSpPr>
+            <a:spLocks noGrp="1"/>
+          </p:cNvSpPr>
+          <p:nvPr>
+            <p:ph type="dt" sz="half" idx="10"/>
+          </p:nvPr>
+        </p:nvSpPr>
+        <p:spPr/>
+        <p:txBody>
+          <a:bodyPr/>
+          <a:lstStyle/>
+          <a:p>
+            <a:fld id="{E1CF8E31-244F-4A6A-A7D5-704B96C48AAE}" type="datetime1">
+              <a:rPr lang="et-EE" smtClean="0"/>
+              <a:t>29.08.2025</a:t>
+            </a:fld>
+            <a:endParaRPr lang="et-EE" dirty="0"/>
+          </a:p>
+        </p:txBody>
+      </p:sp>
+      <p:sp>
+        <p:nvSpPr>
+          <p:cNvPr id="5" name="Footer Placeholder 4">
+            <a:extLst>
+              <a:ext uri="{FF2B5EF4-FFF2-40B4-BE49-F238E27FC236}">
+                <a16:creationId xmlns:a16="http://schemas.microsoft.com/office/drawing/2014/main" id="{1FB4D55A-7E80-4713-862F-2AC3D4D96B64}"/>
+              </a:ext>
+            </a:extLst>
+          </p:cNvPr>
+          <p:cNvSpPr>
+            <a:spLocks noGrp="1"/>
+          </p:cNvSpPr>
+          <p:nvPr>
+            <p:ph type="ftr" sz="quarter" idx="11"/>
+          </p:nvPr>
+        </p:nvSpPr>
+        <p:spPr/>
+        <p:txBody>
+          <a:bodyPr/>
+          <a:lstStyle/>
+          <a:p>
+            <a:r>
+              <a:rPr lang="et-EE"/>
+              <a:t>Weekly</a:t>
+            </a:r>
+          </a:p>
+        </p:txBody>
+      </p:sp>
+      <p:sp>
+        <p:nvSpPr>
+          <p:cNvPr id="6" name="Slide Number Placeholder 5">
+            <a:extLst>
+              <a:ext uri="{FF2B5EF4-FFF2-40B4-BE49-F238E27FC236}">
+                <a16:creationId xmlns:a16="http://schemas.microsoft.com/office/drawing/2014/main" id="{6C71746D-3571-4DE9-9B56-F2133D118CC1}"/>
+              </a:ext>
+            </a:extLst>
+          </p:cNvPr>
+          <p:cNvSpPr>
+            <a:spLocks noGrp="1"/>
+          </p:cNvSpPr>
+          <p:nvPr>
+            <p:ph type="sldNum" sz="quarter" idx="12"/>
+          </p:nvPr>
+        </p:nvSpPr>
+        <p:spPr/>
+        <p:txBody>
+          <a:bodyPr/>
+          <a:lstStyle/>
+          <a:p>
+            <a:fld id="{9F39E346-B1F3-4075-BD67-234EF0F10AC6}" type="slidenum">
+              <a:rPr lang="et-EE" smtClean="0"/>
+              <a:pPr/>
+              <a:t>2</a:t>
+            </a:fld>
+            <a:endParaRPr lang="et-EE" dirty="0"/>
+          </a:p>
+        </p:txBody>
+      </p:sp>
+      <p:sp>
+        <p:nvSpPr>
+          <p:cNvPr id="10" name="Content Placeholder 10">
+            <a:extLst>
+              <a:ext uri="{FF2B5EF4-FFF2-40B4-BE49-F238E27FC236}">
+                <a16:creationId xmlns:a16="http://schemas.microsoft.com/office/drawing/2014/main" id="{B7C8C37C-5791-43AE-B00A-AEB2A464FF01}"/>
+              </a:ext>
+            </a:extLst>
+          </p:cNvPr>
+          <p:cNvSpPr txBox="1">
+            <a:spLocks/>
+          </p:cNvSpPr>
+          <p:nvPr/>
+        </p:nvSpPr>
+        <p:spPr>
+          <a:xfrm>
+            <a:off x="224442" y="1161756"/>
+            <a:ext cx="8158331" cy="4365423"/>
           </a:xfrm>
           <a:prstGeom prst="rect">
             <a:avLst/>
           </a:prstGeom>
-          <a:noFill/>
-          <a:ln w="38100">
-            <a:solidFill>
-              <a:srgbClr val="C00000"/>
-            </a:solidFill>
-          </a:ln>
         </p:spPr>
-        <p:style>
-          <a:lnRef idx="2">
-            <a:schemeClr val="accent1">
-              <a:shade val="50000"/>
-            </a:schemeClr>
-          </a:lnRef>
-          <a:fillRef idx="1">
-            <a:schemeClr val="accent1"/>
-          </a:fillRef>
-          <a:effectRef idx="0">
-            <a:schemeClr val="accent1"/>
-          </a:effectRef>
-          <a:fontRef idx="minor">
-            <a:schemeClr val="lt1"/>
-          </a:fontRef>
-        </p:style>
-        <p:txBody>
-          <a:bodyPr rtlCol="0" anchor="ctr"/>
-          <a:lstStyle/>
-          <a:p>
-            <a:pPr algn="ctr"/>
-            <a:endParaRPr lang="LID4096"/>
+        <p:txBody>
+          <a:bodyPr vert="horz" lIns="91440" tIns="45720" rIns="91440" bIns="45720" rtlCol="0">
+            <a:normAutofit/>
+          </a:bodyPr>
+          <a:lstStyle>
+            <a:lvl1pPr marL="91440" indent="-228600" algn="l" defTabSz="914400" rtl="0" eaLnBrk="1" latinLnBrk="0" hangingPunct="1">
+              <a:lnSpc>
+                <a:spcPct val="100000"/>
+              </a:lnSpc>
+              <a:spcBef>
+                <a:spcPts val="1000"/>
+              </a:spcBef>
+              <a:buFont typeface="Arial" panose="020B0604020202020204" pitchFamily="34" charset="0"/>
+              <a:buChar char="•"/>
+              <a:defRPr sz="2400" b="0" kern="1200">
+                <a:solidFill>
+                  <a:srgbClr val="667982"/>
+                </a:solidFill>
+                <a:latin typeface="Arial" panose="020B0604020202020204" pitchFamily="34" charset="0"/>
+                <a:ea typeface="+mn-ea"/>
+                <a:cs typeface="Arial" panose="020B0604020202020204" pitchFamily="34" charset="0"/>
+              </a:defRPr>
+            </a:lvl1pPr>
+            <a:lvl2pPr marL="685800" indent="-228600" algn="l" defTabSz="914400" rtl="0" eaLnBrk="1" latinLnBrk="0" hangingPunct="1">
+              <a:lnSpc>
+                <a:spcPct val="100000"/>
+              </a:lnSpc>
+              <a:spcBef>
+                <a:spcPts val="500"/>
+              </a:spcBef>
+              <a:buFont typeface="Arial" panose="020B0604020202020204" pitchFamily="34" charset="0"/>
+              <a:buChar char="•"/>
+              <a:defRPr sz="2400" b="0" kern="1200">
+                <a:solidFill>
+                  <a:srgbClr val="667982"/>
+                </a:solidFill>
+                <a:latin typeface="Arial" panose="020B0604020202020204" pitchFamily="34" charset="0"/>
+                <a:ea typeface="+mn-ea"/>
+                <a:cs typeface="Arial" panose="020B0604020202020204" pitchFamily="34" charset="0"/>
+              </a:defRPr>
+            </a:lvl2pPr>
+            <a:lvl3pPr marL="1143000" indent="-228600" algn="l" defTabSz="914400" rtl="0" eaLnBrk="1" latinLnBrk="0" hangingPunct="1">
+              <a:lnSpc>
+                <a:spcPct val="100000"/>
+              </a:lnSpc>
+              <a:spcBef>
+                <a:spcPts val="500"/>
+              </a:spcBef>
+              <a:buFont typeface="Arial" panose="020B0604020202020204" pitchFamily="34" charset="0"/>
+              <a:buChar char="•"/>
+              <a:defRPr sz="2000" b="0" kern="1200">
+                <a:solidFill>
+                  <a:srgbClr val="667982"/>
+                </a:solidFill>
+                <a:latin typeface="Arial" panose="020B0604020202020204" pitchFamily="34" charset="0"/>
+                <a:ea typeface="+mn-ea"/>
+                <a:cs typeface="Arial" panose="020B0604020202020204" pitchFamily="34" charset="0"/>
+              </a:defRPr>
+            </a:lvl3pPr>
+            <a:lvl4pPr marL="1600200" indent="-228600" algn="l" defTabSz="914400" rtl="0" eaLnBrk="1" latinLnBrk="0" hangingPunct="1">
+              <a:lnSpc>
+                <a:spcPct val="100000"/>
+              </a:lnSpc>
+              <a:spcBef>
+                <a:spcPts val="500"/>
+              </a:spcBef>
+              <a:buFont typeface="Arial" panose="020B0604020202020204" pitchFamily="34" charset="0"/>
+              <a:buChar char="•"/>
+              <a:defRPr sz="1800" b="0" kern="1200">
+                <a:solidFill>
+                  <a:srgbClr val="667982"/>
+                </a:solidFill>
+                <a:latin typeface="Arial" panose="020B0604020202020204" pitchFamily="34" charset="0"/>
+                <a:ea typeface="+mn-ea"/>
+                <a:cs typeface="Arial" panose="020B0604020202020204" pitchFamily="34" charset="0"/>
+              </a:defRPr>
+            </a:lvl4pPr>
+            <a:lvl5pPr marL="2057400" indent="-228600" algn="l" defTabSz="914400" rtl="0" eaLnBrk="1" latinLnBrk="0" hangingPunct="1">
+              <a:lnSpc>
+                <a:spcPct val="100000"/>
+              </a:lnSpc>
+              <a:spcBef>
+                <a:spcPts val="500"/>
+              </a:spcBef>
+              <a:buFont typeface="Arial" panose="020B0604020202020204" pitchFamily="34" charset="0"/>
+              <a:buChar char="•"/>
+              <a:defRPr sz="1800" b="0" kern="1200">
+                <a:solidFill>
+                  <a:srgbClr val="667982"/>
+                </a:solidFill>
+                <a:latin typeface="Arial" panose="020B0604020202020204" pitchFamily="34" charset="0"/>
+                <a:ea typeface="+mn-ea"/>
+                <a:cs typeface="Arial" panose="020B0604020202020204" pitchFamily="34" charset="0"/>
+              </a:defRPr>
+            </a:lvl5pPr>
+            <a:lvl6pPr marL="2514600" indent="-228600" algn="l" defTabSz="914400" rtl="0" eaLnBrk="1" latinLnBrk="0" hangingPunct="1">
+              <a:lnSpc>
+                <a:spcPct val="90000"/>
+              </a:lnSpc>
+              <a:spcBef>
+                <a:spcPts val="500"/>
+              </a:spcBef>
+              <a:buFont typeface="Arial" panose="020B0604020202020204" pitchFamily="34" charset="0"/>
+              <a:buChar char="•"/>
+              <a:defRPr sz="1800" kern="1200">
+                <a:solidFill>
+                  <a:schemeClr val="tx1"/>
+                </a:solidFill>
+                <a:latin typeface="+mn-lt"/>
+                <a:ea typeface="+mn-ea"/>
+                <a:cs typeface="+mn-cs"/>
+              </a:defRPr>
+            </a:lvl6pPr>
+            <a:lvl7pPr marL="2971800" indent="-228600" algn="l" defTabSz="914400" rtl="0" eaLnBrk="1" latinLnBrk="0" hangingPunct="1">
+              <a:lnSpc>
+                <a:spcPct val="90000"/>
+              </a:lnSpc>
+              <a:spcBef>
+                <a:spcPts val="500"/>
+              </a:spcBef>
+              <a:buFont typeface="Arial" panose="020B0604020202020204" pitchFamily="34" charset="0"/>
+              <a:buChar char="•"/>
+              <a:defRPr sz="1800" kern="1200">
+                <a:solidFill>
+                  <a:schemeClr val="tx1"/>
+                </a:solidFill>
+                <a:latin typeface="+mn-lt"/>
+                <a:ea typeface="+mn-ea"/>
+                <a:cs typeface="+mn-cs"/>
+              </a:defRPr>
+            </a:lvl7pPr>
+            <a:lvl8pPr marL="3429000" indent="-228600" algn="l" defTabSz="914400" rtl="0" eaLnBrk="1" latinLnBrk="0" hangingPunct="1">
+              <a:lnSpc>
+                <a:spcPct val="90000"/>
+              </a:lnSpc>
+              <a:spcBef>
+                <a:spcPts val="500"/>
+              </a:spcBef>
+              <a:buFont typeface="Arial" panose="020B0604020202020204" pitchFamily="34" charset="0"/>
+              <a:buChar char="•"/>
+              <a:defRPr sz="1800" kern="1200">
+                <a:solidFill>
+                  <a:schemeClr val="tx1"/>
+                </a:solidFill>
+                <a:latin typeface="+mn-lt"/>
+                <a:ea typeface="+mn-ea"/>
+                <a:cs typeface="+mn-cs"/>
+              </a:defRPr>
+            </a:lvl8pPr>
+            <a:lvl9pPr marL="3886200" indent="-228600" algn="l" defTabSz="914400" rtl="0" eaLnBrk="1" latinLnBrk="0" hangingPunct="1">
+              <a:lnSpc>
+                <a:spcPct val="90000"/>
+              </a:lnSpc>
+              <a:spcBef>
+                <a:spcPts val="500"/>
+              </a:spcBef>
+              <a:buFont typeface="Arial" panose="020B0604020202020204" pitchFamily="34" charset="0"/>
+              <a:buChar char="•"/>
+              <a:defRPr sz="1800" kern="1200">
+                <a:solidFill>
+                  <a:schemeClr val="tx1"/>
+                </a:solidFill>
+                <a:latin typeface="+mn-lt"/>
+                <a:ea typeface="+mn-ea"/>
+                <a:cs typeface="+mn-cs"/>
+              </a:defRPr>
+            </a:lvl9pPr>
+          </a:lstStyle>
+          <a:p>
+            <a:r>
+              <a:rPr lang="en-US" dirty="0"/>
+              <a:t>Philip designed a shield that can be assembled inside the vacuum tank.</a:t>
+            </a:r>
+          </a:p>
+          <a:p>
+            <a:pPr lvl="1"/>
+            <a:r>
+              <a:rPr lang="en-US" dirty="0"/>
+              <a:t>Ceramic spheres as spacers between shields.</a:t>
+            </a:r>
+          </a:p>
+          <a:p>
+            <a:pPr lvl="1"/>
+            <a:r>
+              <a:rPr lang="en-US" dirty="0"/>
+              <a:t>Possibility of adding pins for fixing them more in place.</a:t>
+            </a:r>
+          </a:p>
+          <a:p>
+            <a:r>
+              <a:rPr lang="en-US" dirty="0"/>
+              <a:t>Pfeiffer hasn’t gotten back to me yet (with their quote)</a:t>
+            </a:r>
+          </a:p>
+          <a:p>
+            <a:r>
+              <a:rPr lang="en-US" dirty="0"/>
+              <a:t>For pumps</a:t>
+            </a:r>
+          </a:p>
+          <a:p>
+            <a:pPr lvl="1"/>
+            <a:r>
+              <a:rPr lang="en-US" dirty="0" err="1"/>
+              <a:t>Leybold</a:t>
+            </a:r>
+            <a:r>
+              <a:rPr lang="en-US" dirty="0"/>
+              <a:t> – turbo and scroll pump setup</a:t>
+            </a:r>
+          </a:p>
+          <a:p>
+            <a:pPr lvl="1"/>
+            <a:r>
+              <a:rPr lang="en-US" dirty="0"/>
+              <a:t>But would a diaphragm pump be cleaner?</a:t>
+            </a:r>
+          </a:p>
+          <a:p>
+            <a:pPr lvl="1"/>
+            <a:endParaRPr lang="en-US" dirty="0"/>
           </a:p>
         </p:txBody>
       </p:sp>
     </p:spTree>
     <p:extLst>
       <p:ext uri="{BB962C8B-B14F-4D97-AF65-F5344CB8AC3E}">
-        <p14:creationId xmlns:p14="http://schemas.microsoft.com/office/powerpoint/2010/main" val="1249542166"/>
+        <p14:creationId xmlns:p14="http://schemas.microsoft.com/office/powerpoint/2010/main" val="2033019476"/>
       </p:ext>
     </p:extLst>
   </p:cSld>
